--- a/plottingCode/Fig_1/raw_figure_different_timescales_white_bg.pptx
+++ b/plottingCode/Fig_1/raw_figure_different_timescales_white_bg.pptx
@@ -5,10 +5,11 @@
     <p:sldMasterId id="2147483648" r:id="rId1"/>
   </p:sldMasterIdLst>
   <p:notesMasterIdLst>
-    <p:notesMasterId r:id="rId3"/>
+    <p:notesMasterId r:id="rId4"/>
   </p:notesMasterIdLst>
   <p:sldIdLst>
     <p:sldId id="257" r:id="rId2"/>
+    <p:sldId id="258" r:id="rId3"/>
   </p:sldIdLst>
   <p:sldSz cx="12192000" cy="6858000"/>
   <p:notesSz cx="6858000" cy="9144000"/>
@@ -208,7 +209,7 @@
           <a:p>
             <a:fld id="{BB6D6A7D-6F9B-8246-8107-1B69C7C70BBA}" type="datetimeFigureOut">
               <a:rPr lang="en-US" smtClean="0"/>
-              <a:t>1/23/21</a:t>
+              <a:t>4/30/23</a:t>
             </a:fld>
             <a:endParaRPr lang="en-US"/>
           </a:p>
@@ -559,6 +560,90 @@
 </p:notes>
 </file>
 
+<file path=ppt/notesSlides/notesSlide2.xml><?xml version="1.0" encoding="utf-8"?>
+<p:notes xmlns:a="http://schemas.openxmlformats.org/drawingml/2006/main" xmlns:r="http://schemas.openxmlformats.org/officeDocument/2006/relationships" xmlns:p="http://schemas.openxmlformats.org/presentationml/2006/main">
+  <p:cSld>
+    <p:spTree>
+      <p:nvGrpSpPr>
+        <p:cNvPr id="1" name=""/>
+        <p:cNvGrpSpPr/>
+        <p:nvPr/>
+      </p:nvGrpSpPr>
+      <p:grpSpPr>
+        <a:xfrm>
+          <a:off x="0" y="0"/>
+          <a:ext cx="0" cy="0"/>
+          <a:chOff x="0" y="0"/>
+          <a:chExt cx="0" cy="0"/>
+        </a:xfrm>
+      </p:grpSpPr>
+      <p:sp>
+        <p:nvSpPr>
+          <p:cNvPr id="2" name="Slide Image Placeholder 1"/>
+          <p:cNvSpPr>
+            <a:spLocks noGrp="1" noRot="1" noChangeAspect="1"/>
+          </p:cNvSpPr>
+          <p:nvPr>
+            <p:ph type="sldImg"/>
+          </p:nvPr>
+        </p:nvSpPr>
+        <p:spPr/>
+      </p:sp>
+      <p:sp>
+        <p:nvSpPr>
+          <p:cNvPr id="3" name="Notes Placeholder 2"/>
+          <p:cNvSpPr>
+            <a:spLocks noGrp="1"/>
+          </p:cNvSpPr>
+          <p:nvPr>
+            <p:ph type="body" idx="1"/>
+          </p:nvPr>
+        </p:nvSpPr>
+        <p:spPr/>
+        <p:txBody>
+          <a:bodyPr/>
+          <a:lstStyle/>
+          <a:p>
+            <a:endParaRPr lang="en-US" dirty="0"/>
+          </a:p>
+        </p:txBody>
+      </p:sp>
+      <p:sp>
+        <p:nvSpPr>
+          <p:cNvPr id="4" name="Slide Number Placeholder 3"/>
+          <p:cNvSpPr>
+            <a:spLocks noGrp="1"/>
+          </p:cNvSpPr>
+          <p:nvPr>
+            <p:ph type="sldNum" sz="quarter" idx="5"/>
+          </p:nvPr>
+        </p:nvSpPr>
+        <p:spPr/>
+        <p:txBody>
+          <a:bodyPr/>
+          <a:lstStyle/>
+          <a:p>
+            <a:fld id="{80B97CB4-03EF-0341-BB58-AB06C0B8EAE3}" type="slidenum">
+              <a:rPr lang="en-US" smtClean="0"/>
+              <a:t>2</a:t>
+            </a:fld>
+            <a:endParaRPr lang="en-US"/>
+          </a:p>
+        </p:txBody>
+      </p:sp>
+    </p:spTree>
+    <p:extLst>
+      <p:ext uri="{BB962C8B-B14F-4D97-AF65-F5344CB8AC3E}">
+        <p14:creationId xmlns:p14="http://schemas.microsoft.com/office/powerpoint/2010/main" val="580194771"/>
+      </p:ext>
+    </p:extLst>
+  </p:cSld>
+  <p:clrMapOvr>
+    <a:masterClrMapping/>
+  </p:clrMapOvr>
+</p:notes>
+</file>
+
 <file path=ppt/slideLayouts/slideLayout1.xml><?xml version="1.0" encoding="utf-8"?>
 <p:sldLayout xmlns:a="http://schemas.openxmlformats.org/drawingml/2006/main" xmlns:r="http://schemas.openxmlformats.org/officeDocument/2006/relationships" xmlns:p="http://schemas.openxmlformats.org/presentationml/2006/main" type="title" preserve="1">
   <p:cSld name="Title Slide">
@@ -706,7 +791,7 @@
           <a:p>
             <a:fld id="{4FE56D04-304B-434F-B198-50A7E16FD3FC}" type="datetimeFigureOut">
               <a:rPr lang="en-US" smtClean="0"/>
-              <a:t>1/23/21</a:t>
+              <a:t>4/30/23</a:t>
             </a:fld>
             <a:endParaRPr lang="en-US"/>
           </a:p>
@@ -904,7 +989,7 @@
           <a:p>
             <a:fld id="{4FE56D04-304B-434F-B198-50A7E16FD3FC}" type="datetimeFigureOut">
               <a:rPr lang="en-US" smtClean="0"/>
-              <a:t>1/23/21</a:t>
+              <a:t>4/30/23</a:t>
             </a:fld>
             <a:endParaRPr lang="en-US"/>
           </a:p>
@@ -1112,7 +1197,7 @@
           <a:p>
             <a:fld id="{4FE56D04-304B-434F-B198-50A7E16FD3FC}" type="datetimeFigureOut">
               <a:rPr lang="en-US" smtClean="0"/>
-              <a:t>1/23/21</a:t>
+              <a:t>4/30/23</a:t>
             </a:fld>
             <a:endParaRPr lang="en-US"/>
           </a:p>
@@ -1310,7 +1395,7 @@
           <a:p>
             <a:fld id="{4FE56D04-304B-434F-B198-50A7E16FD3FC}" type="datetimeFigureOut">
               <a:rPr lang="en-US" smtClean="0"/>
-              <a:t>1/23/21</a:t>
+              <a:t>4/30/23</a:t>
             </a:fld>
             <a:endParaRPr lang="en-US"/>
           </a:p>
@@ -1585,7 +1670,7 @@
           <a:p>
             <a:fld id="{4FE56D04-304B-434F-B198-50A7E16FD3FC}" type="datetimeFigureOut">
               <a:rPr lang="en-US" smtClean="0"/>
-              <a:t>1/23/21</a:t>
+              <a:t>4/30/23</a:t>
             </a:fld>
             <a:endParaRPr lang="en-US"/>
           </a:p>
@@ -1850,7 +1935,7 @@
           <a:p>
             <a:fld id="{4FE56D04-304B-434F-B198-50A7E16FD3FC}" type="datetimeFigureOut">
               <a:rPr lang="en-US" smtClean="0"/>
-              <a:t>1/23/21</a:t>
+              <a:t>4/30/23</a:t>
             </a:fld>
             <a:endParaRPr lang="en-US"/>
           </a:p>
@@ -2262,7 +2347,7 @@
           <a:p>
             <a:fld id="{4FE56D04-304B-434F-B198-50A7E16FD3FC}" type="datetimeFigureOut">
               <a:rPr lang="en-US" smtClean="0"/>
-              <a:t>1/23/21</a:t>
+              <a:t>4/30/23</a:t>
             </a:fld>
             <a:endParaRPr lang="en-US"/>
           </a:p>
@@ -2403,7 +2488,7 @@
           <a:p>
             <a:fld id="{4FE56D04-304B-434F-B198-50A7E16FD3FC}" type="datetimeFigureOut">
               <a:rPr lang="en-US" smtClean="0"/>
-              <a:t>1/23/21</a:t>
+              <a:t>4/30/23</a:t>
             </a:fld>
             <a:endParaRPr lang="en-US"/>
           </a:p>
@@ -2516,7 +2601,7 @@
           <a:p>
             <a:fld id="{4FE56D04-304B-434F-B198-50A7E16FD3FC}" type="datetimeFigureOut">
               <a:rPr lang="en-US" smtClean="0"/>
-              <a:t>1/23/21</a:t>
+              <a:t>4/30/23</a:t>
             </a:fld>
             <a:endParaRPr lang="en-US"/>
           </a:p>
@@ -2827,7 +2912,7 @@
           <a:p>
             <a:fld id="{4FE56D04-304B-434F-B198-50A7E16FD3FC}" type="datetimeFigureOut">
               <a:rPr lang="en-US" smtClean="0"/>
-              <a:t>1/23/21</a:t>
+              <a:t>4/30/23</a:t>
             </a:fld>
             <a:endParaRPr lang="en-US"/>
           </a:p>
@@ -3115,7 +3200,7 @@
           <a:p>
             <a:fld id="{4FE56D04-304B-434F-B198-50A7E16FD3FC}" type="datetimeFigureOut">
               <a:rPr lang="en-US" smtClean="0"/>
-              <a:t>1/23/21</a:t>
+              <a:t>4/30/23</a:t>
             </a:fld>
             <a:endParaRPr lang="en-US"/>
           </a:p>
@@ -3356,7 +3441,7 @@
           <a:p>
             <a:fld id="{4FE56D04-304B-434F-B198-50A7E16FD3FC}" type="datetimeFigureOut">
               <a:rPr lang="en-US" smtClean="0"/>
-              <a:t>1/23/21</a:t>
+              <a:t>4/30/23</a:t>
             </a:fld>
             <a:endParaRPr lang="en-US"/>
           </a:p>
@@ -5881,6 +5966,2169 @@
     <p:extLst>
       <p:ext uri="{BB962C8B-B14F-4D97-AF65-F5344CB8AC3E}">
         <p14:creationId xmlns:p14="http://schemas.microsoft.com/office/powerpoint/2010/main" val="1462551513"/>
+      </p:ext>
+    </p:extLst>
+  </p:cSld>
+  <p:clrMapOvr>
+    <a:masterClrMapping/>
+  </p:clrMapOvr>
+</p:sld>
+</file>
+
+<file path=ppt/slides/slide2.xml><?xml version="1.0" encoding="utf-8"?>
+<p:sld xmlns:a="http://schemas.openxmlformats.org/drawingml/2006/main" xmlns:r="http://schemas.openxmlformats.org/officeDocument/2006/relationships" xmlns:p="http://schemas.openxmlformats.org/presentationml/2006/main">
+  <p:cSld>
+    <p:bg>
+      <p:bgPr>
+        <a:solidFill>
+          <a:schemeClr val="bg1"/>
+        </a:solidFill>
+        <a:effectLst/>
+      </p:bgPr>
+    </p:bg>
+    <p:spTree>
+      <p:nvGrpSpPr>
+        <p:cNvPr id="1" name=""/>
+        <p:cNvGrpSpPr/>
+        <p:nvPr/>
+      </p:nvGrpSpPr>
+      <p:grpSpPr>
+        <a:xfrm>
+          <a:off x="0" y="0"/>
+          <a:ext cx="0" cy="0"/>
+          <a:chOff x="0" y="0"/>
+          <a:chExt cx="0" cy="0"/>
+        </a:xfrm>
+      </p:grpSpPr>
+      <p:sp>
+        <p:nvSpPr>
+          <p:cNvPr id="3" name="Rectangle 2">
+            <a:extLst>
+              <a:ext uri="{FF2B5EF4-FFF2-40B4-BE49-F238E27FC236}">
+                <a16:creationId xmlns:a16="http://schemas.microsoft.com/office/drawing/2014/main" id="{B1E19D22-8557-2DE7-FF36-7AA82A04CB50}"/>
+              </a:ext>
+            </a:extLst>
+          </p:cNvPr>
+          <p:cNvSpPr/>
+          <p:nvPr/>
+        </p:nvSpPr>
+        <p:spPr>
+          <a:xfrm>
+            <a:off x="0" y="0"/>
+            <a:ext cx="12192000" cy="6858000"/>
+          </a:xfrm>
+          <a:prstGeom prst="rect">
+            <a:avLst/>
+          </a:prstGeom>
+          <a:solidFill>
+            <a:schemeClr val="bg1"/>
+          </a:solidFill>
+          <a:ln>
+            <a:noFill/>
+          </a:ln>
+        </p:spPr>
+        <p:style>
+          <a:lnRef idx="2">
+            <a:schemeClr val="accent1">
+              <a:shade val="50000"/>
+            </a:schemeClr>
+          </a:lnRef>
+          <a:fillRef idx="1">
+            <a:schemeClr val="accent1"/>
+          </a:fillRef>
+          <a:effectRef idx="0">
+            <a:schemeClr val="accent1"/>
+          </a:effectRef>
+          <a:fontRef idx="minor">
+            <a:schemeClr val="lt1"/>
+          </a:fontRef>
+        </p:style>
+        <p:txBody>
+          <a:bodyPr rtlCol="0" anchor="ctr"/>
+          <a:lstStyle/>
+          <a:p>
+            <a:pPr algn="ctr"/>
+            <a:endParaRPr lang="en-US"/>
+          </a:p>
+        </p:txBody>
+      </p:sp>
+      <p:cxnSp>
+        <p:nvCxnSpPr>
+          <p:cNvPr id="7" name="Straight Connector 6">
+            <a:extLst>
+              <a:ext uri="{FF2B5EF4-FFF2-40B4-BE49-F238E27FC236}">
+                <a16:creationId xmlns:a16="http://schemas.microsoft.com/office/drawing/2014/main" id="{97CF00A5-3121-FF46-821F-13EA9165724D}"/>
+              </a:ext>
+            </a:extLst>
+          </p:cNvPr>
+          <p:cNvCxnSpPr>
+            <a:cxnSpLocks/>
+          </p:cNvCxnSpPr>
+          <p:nvPr/>
+        </p:nvCxnSpPr>
+        <p:spPr>
+          <a:xfrm>
+            <a:off x="609600" y="3433604"/>
+            <a:ext cx="0" cy="914400"/>
+          </a:xfrm>
+          <a:prstGeom prst="line">
+            <a:avLst/>
+          </a:prstGeom>
+          <a:ln>
+            <a:solidFill>
+              <a:schemeClr val="tx1"/>
+            </a:solidFill>
+          </a:ln>
+        </p:spPr>
+        <p:style>
+          <a:lnRef idx="1">
+            <a:schemeClr val="accent1"/>
+          </a:lnRef>
+          <a:fillRef idx="0">
+            <a:schemeClr val="accent1"/>
+          </a:fillRef>
+          <a:effectRef idx="0">
+            <a:schemeClr val="accent1"/>
+          </a:effectRef>
+          <a:fontRef idx="minor">
+            <a:schemeClr val="tx1"/>
+          </a:fontRef>
+        </p:style>
+      </p:cxnSp>
+      <p:cxnSp>
+        <p:nvCxnSpPr>
+          <p:cNvPr id="9" name="Straight Connector 8">
+            <a:extLst>
+              <a:ext uri="{FF2B5EF4-FFF2-40B4-BE49-F238E27FC236}">
+                <a16:creationId xmlns:a16="http://schemas.microsoft.com/office/drawing/2014/main" id="{C7A0CFD4-BAE2-5E47-8119-317B24278D1B}"/>
+              </a:ext>
+            </a:extLst>
+          </p:cNvPr>
+          <p:cNvCxnSpPr/>
+          <p:nvPr/>
+        </p:nvCxnSpPr>
+        <p:spPr>
+          <a:xfrm>
+            <a:off x="609600" y="3850298"/>
+            <a:ext cx="10401300" cy="0"/>
+          </a:xfrm>
+          <a:prstGeom prst="line">
+            <a:avLst/>
+          </a:prstGeom>
+          <a:ln>
+            <a:solidFill>
+              <a:schemeClr val="tx1"/>
+            </a:solidFill>
+          </a:ln>
+        </p:spPr>
+        <p:style>
+          <a:lnRef idx="1">
+            <a:schemeClr val="accent1"/>
+          </a:lnRef>
+          <a:fillRef idx="0">
+            <a:schemeClr val="accent1"/>
+          </a:fillRef>
+          <a:effectRef idx="0">
+            <a:schemeClr val="accent1"/>
+          </a:effectRef>
+          <a:fontRef idx="minor">
+            <a:schemeClr val="tx1"/>
+          </a:fontRef>
+        </p:style>
+      </p:cxnSp>
+      <p:cxnSp>
+        <p:nvCxnSpPr>
+          <p:cNvPr id="13" name="Straight Connector 12">
+            <a:extLst>
+              <a:ext uri="{FF2B5EF4-FFF2-40B4-BE49-F238E27FC236}">
+                <a16:creationId xmlns:a16="http://schemas.microsoft.com/office/drawing/2014/main" id="{11D7BEEC-95BB-304A-B5A9-918316013012}"/>
+              </a:ext>
+            </a:extLst>
+          </p:cNvPr>
+          <p:cNvCxnSpPr>
+            <a:cxnSpLocks/>
+          </p:cNvCxnSpPr>
+          <p:nvPr/>
+        </p:nvCxnSpPr>
+        <p:spPr>
+          <a:xfrm>
+            <a:off x="2280834" y="3439592"/>
+            <a:ext cx="0" cy="914400"/>
+          </a:xfrm>
+          <a:prstGeom prst="line">
+            <a:avLst/>
+          </a:prstGeom>
+          <a:ln>
+            <a:solidFill>
+              <a:schemeClr val="tx1"/>
+            </a:solidFill>
+          </a:ln>
+        </p:spPr>
+        <p:style>
+          <a:lnRef idx="1">
+            <a:schemeClr val="accent1"/>
+          </a:lnRef>
+          <a:fillRef idx="0">
+            <a:schemeClr val="accent1"/>
+          </a:fillRef>
+          <a:effectRef idx="0">
+            <a:schemeClr val="accent1"/>
+          </a:effectRef>
+          <a:fontRef idx="minor">
+            <a:schemeClr val="tx1"/>
+          </a:fontRef>
+        </p:style>
+      </p:cxnSp>
+      <p:cxnSp>
+        <p:nvCxnSpPr>
+          <p:cNvPr id="14" name="Straight Connector 13">
+            <a:extLst>
+              <a:ext uri="{FF2B5EF4-FFF2-40B4-BE49-F238E27FC236}">
+                <a16:creationId xmlns:a16="http://schemas.microsoft.com/office/drawing/2014/main" id="{D5ED49B3-5908-2947-AC20-0A2317EDE205}"/>
+              </a:ext>
+            </a:extLst>
+          </p:cNvPr>
+          <p:cNvCxnSpPr>
+            <a:cxnSpLocks/>
+          </p:cNvCxnSpPr>
+          <p:nvPr/>
+        </p:nvCxnSpPr>
+        <p:spPr>
+          <a:xfrm>
+            <a:off x="3450220" y="3433604"/>
+            <a:ext cx="0" cy="914400"/>
+          </a:xfrm>
+          <a:prstGeom prst="line">
+            <a:avLst/>
+          </a:prstGeom>
+          <a:ln>
+            <a:solidFill>
+              <a:schemeClr val="tx1"/>
+            </a:solidFill>
+          </a:ln>
+        </p:spPr>
+        <p:style>
+          <a:lnRef idx="1">
+            <a:schemeClr val="accent1"/>
+          </a:lnRef>
+          <a:fillRef idx="0">
+            <a:schemeClr val="accent1"/>
+          </a:fillRef>
+          <a:effectRef idx="0">
+            <a:schemeClr val="accent1"/>
+          </a:effectRef>
+          <a:fontRef idx="minor">
+            <a:schemeClr val="tx1"/>
+          </a:fontRef>
+        </p:style>
+      </p:cxnSp>
+      <p:cxnSp>
+        <p:nvCxnSpPr>
+          <p:cNvPr id="15" name="Straight Connector 14">
+            <a:extLst>
+              <a:ext uri="{FF2B5EF4-FFF2-40B4-BE49-F238E27FC236}">
+                <a16:creationId xmlns:a16="http://schemas.microsoft.com/office/drawing/2014/main" id="{CD0F4488-C2BC-A04A-AF13-C874EC3992D8}"/>
+              </a:ext>
+            </a:extLst>
+          </p:cNvPr>
+          <p:cNvCxnSpPr>
+            <a:cxnSpLocks/>
+          </p:cNvCxnSpPr>
+          <p:nvPr/>
+        </p:nvCxnSpPr>
+        <p:spPr>
+          <a:xfrm>
+            <a:off x="10410303" y="3433604"/>
+            <a:ext cx="0" cy="914400"/>
+          </a:xfrm>
+          <a:prstGeom prst="line">
+            <a:avLst/>
+          </a:prstGeom>
+          <a:ln>
+            <a:solidFill>
+              <a:schemeClr val="tx1"/>
+            </a:solidFill>
+          </a:ln>
+        </p:spPr>
+        <p:style>
+          <a:lnRef idx="1">
+            <a:schemeClr val="accent1"/>
+          </a:lnRef>
+          <a:fillRef idx="0">
+            <a:schemeClr val="accent1"/>
+          </a:fillRef>
+          <a:effectRef idx="0">
+            <a:schemeClr val="accent1"/>
+          </a:effectRef>
+          <a:fontRef idx="minor">
+            <a:schemeClr val="tx1"/>
+          </a:fontRef>
+        </p:style>
+      </p:cxnSp>
+      <p:cxnSp>
+        <p:nvCxnSpPr>
+          <p:cNvPr id="29" name="Straight Arrow Connector 28">
+            <a:extLst>
+              <a:ext uri="{FF2B5EF4-FFF2-40B4-BE49-F238E27FC236}">
+                <a16:creationId xmlns:a16="http://schemas.microsoft.com/office/drawing/2014/main" id="{1A2C5B89-B9D1-5D48-B58C-F4B17022B2F1}"/>
+              </a:ext>
+            </a:extLst>
+          </p:cNvPr>
+          <p:cNvCxnSpPr>
+            <a:cxnSpLocks/>
+          </p:cNvCxnSpPr>
+          <p:nvPr/>
+        </p:nvCxnSpPr>
+        <p:spPr>
+          <a:xfrm>
+            <a:off x="2293765" y="5333647"/>
+            <a:ext cx="1156455" cy="0"/>
+          </a:xfrm>
+          <a:prstGeom prst="straightConnector1">
+            <a:avLst/>
+          </a:prstGeom>
+          <a:ln>
+            <a:solidFill>
+              <a:schemeClr val="tx1"/>
+            </a:solidFill>
+            <a:headEnd type="triangle"/>
+            <a:tailEnd type="triangle"/>
+          </a:ln>
+        </p:spPr>
+        <p:style>
+          <a:lnRef idx="1">
+            <a:schemeClr val="accent1"/>
+          </a:lnRef>
+          <a:fillRef idx="0">
+            <a:schemeClr val="accent1"/>
+          </a:fillRef>
+          <a:effectRef idx="0">
+            <a:schemeClr val="accent1"/>
+          </a:effectRef>
+          <a:fontRef idx="minor">
+            <a:schemeClr val="tx1"/>
+          </a:fontRef>
+        </p:style>
+      </p:cxnSp>
+      <p:cxnSp>
+        <p:nvCxnSpPr>
+          <p:cNvPr id="32" name="Straight Arrow Connector 31">
+            <a:extLst>
+              <a:ext uri="{FF2B5EF4-FFF2-40B4-BE49-F238E27FC236}">
+                <a16:creationId xmlns:a16="http://schemas.microsoft.com/office/drawing/2014/main" id="{9A2AACE1-9E13-ED4F-ACB5-B08F0D935284}"/>
+              </a:ext>
+            </a:extLst>
+          </p:cNvPr>
+          <p:cNvCxnSpPr>
+            <a:cxnSpLocks/>
+          </p:cNvCxnSpPr>
+          <p:nvPr/>
+        </p:nvCxnSpPr>
+        <p:spPr>
+          <a:xfrm>
+            <a:off x="2293765" y="5938611"/>
+            <a:ext cx="8095640" cy="0"/>
+          </a:xfrm>
+          <a:prstGeom prst="straightConnector1">
+            <a:avLst/>
+          </a:prstGeom>
+          <a:ln>
+            <a:solidFill>
+              <a:schemeClr val="tx1"/>
+            </a:solidFill>
+            <a:headEnd type="triangle"/>
+            <a:tailEnd type="triangle"/>
+          </a:ln>
+        </p:spPr>
+        <p:style>
+          <a:lnRef idx="1">
+            <a:schemeClr val="accent1"/>
+          </a:lnRef>
+          <a:fillRef idx="0">
+            <a:schemeClr val="accent1"/>
+          </a:fillRef>
+          <a:effectRef idx="0">
+            <a:schemeClr val="accent1"/>
+          </a:effectRef>
+          <a:fontRef idx="minor">
+            <a:schemeClr val="tx1"/>
+          </a:fontRef>
+        </p:style>
+      </p:cxnSp>
+      <p:pic>
+        <p:nvPicPr>
+          <p:cNvPr id="46" name="Graphic 45" descr="Moon">
+            <a:extLst>
+              <a:ext uri="{FF2B5EF4-FFF2-40B4-BE49-F238E27FC236}">
+                <a16:creationId xmlns:a16="http://schemas.microsoft.com/office/drawing/2014/main" id="{419849B7-28FB-9940-8DB7-DD62D753E054}"/>
+              </a:ext>
+            </a:extLst>
+          </p:cNvPr>
+          <p:cNvPicPr>
+            <a:picLocks noChangeAspect="1"/>
+          </p:cNvPicPr>
+          <p:nvPr/>
+        </p:nvPicPr>
+        <p:blipFill>
+          <a:blip r:embed="rId3">
+            <a:extLst>
+              <a:ext uri="{96DAC541-7B7A-43D3-8B79-37D633B846F1}">
+                <asvg:svgBlip xmlns:asvg="http://schemas.microsoft.com/office/drawing/2016/SVG/main" r:embed="rId4"/>
+              </a:ext>
+            </a:extLst>
+          </a:blip>
+          <a:stretch>
+            <a:fillRect/>
+          </a:stretch>
+        </p:blipFill>
+        <p:spPr>
+          <a:xfrm rot="18865644">
+            <a:off x="10624623" y="2140982"/>
+            <a:ext cx="311939" cy="687684"/>
+          </a:xfrm>
+          <a:prstGeom prst="rect">
+            <a:avLst/>
+          </a:prstGeom>
+        </p:spPr>
+      </p:pic>
+      <p:pic>
+        <p:nvPicPr>
+          <p:cNvPr id="47" name="Graphic 46" descr="Moon">
+            <a:extLst>
+              <a:ext uri="{FF2B5EF4-FFF2-40B4-BE49-F238E27FC236}">
+                <a16:creationId xmlns:a16="http://schemas.microsoft.com/office/drawing/2014/main" id="{4634E93F-505F-364A-B4F9-0A13594405E7}"/>
+              </a:ext>
+            </a:extLst>
+          </p:cNvPr>
+          <p:cNvPicPr>
+            <a:picLocks noChangeAspect="1"/>
+          </p:cNvPicPr>
+          <p:nvPr/>
+        </p:nvPicPr>
+        <p:blipFill>
+          <a:blip r:embed="rId3">
+            <a:extLst>
+              <a:ext uri="{96DAC541-7B7A-43D3-8B79-37D633B846F1}">
+                <asvg:svgBlip xmlns:asvg="http://schemas.microsoft.com/office/drawing/2016/SVG/main" r:embed="rId4"/>
+              </a:ext>
+            </a:extLst>
+          </a:blip>
+          <a:stretch>
+            <a:fillRect/>
+          </a:stretch>
+        </p:blipFill>
+        <p:spPr>
+          <a:xfrm rot="18865644" flipH="1" flipV="1">
+            <a:off x="9878705" y="2370601"/>
+            <a:ext cx="311939" cy="687684"/>
+          </a:xfrm>
+          <a:prstGeom prst="rect">
+            <a:avLst/>
+          </a:prstGeom>
+        </p:spPr>
+      </p:pic>
+      <p:pic>
+        <p:nvPicPr>
+          <p:cNvPr id="48" name="Graphic 47" descr="Moon">
+            <a:extLst>
+              <a:ext uri="{FF2B5EF4-FFF2-40B4-BE49-F238E27FC236}">
+                <a16:creationId xmlns:a16="http://schemas.microsoft.com/office/drawing/2014/main" id="{AC589169-E18F-3549-B11D-4AD851757DA5}"/>
+              </a:ext>
+            </a:extLst>
+          </p:cNvPr>
+          <p:cNvPicPr>
+            <a:picLocks noChangeAspect="1"/>
+          </p:cNvPicPr>
+          <p:nvPr/>
+        </p:nvPicPr>
+        <p:blipFill>
+          <a:blip r:embed="rId5">
+            <a:extLst>
+              <a:ext uri="{96DAC541-7B7A-43D3-8B79-37D633B846F1}">
+                <asvg:svgBlip xmlns:asvg="http://schemas.microsoft.com/office/drawing/2016/SVG/main" r:embed="rId6"/>
+              </a:ext>
+            </a:extLst>
+          </a:blip>
+          <a:stretch>
+            <a:fillRect/>
+          </a:stretch>
+        </p:blipFill>
+        <p:spPr>
+          <a:xfrm rot="18865644">
+            <a:off x="10860043" y="1755499"/>
+            <a:ext cx="550561" cy="1213737"/>
+          </a:xfrm>
+          <a:prstGeom prst="rect">
+            <a:avLst/>
+          </a:prstGeom>
+        </p:spPr>
+      </p:pic>
+      <p:pic>
+        <p:nvPicPr>
+          <p:cNvPr id="49" name="Graphic 48" descr="Moon">
+            <a:extLst>
+              <a:ext uri="{FF2B5EF4-FFF2-40B4-BE49-F238E27FC236}">
+                <a16:creationId xmlns:a16="http://schemas.microsoft.com/office/drawing/2014/main" id="{41586A40-24D1-FF41-9279-5FD0B39133DC}"/>
+              </a:ext>
+            </a:extLst>
+          </p:cNvPr>
+          <p:cNvPicPr>
+            <a:picLocks noChangeAspect="1"/>
+          </p:cNvPicPr>
+          <p:nvPr/>
+        </p:nvPicPr>
+        <p:blipFill>
+          <a:blip r:embed="rId5">
+            <a:extLst>
+              <a:ext uri="{96DAC541-7B7A-43D3-8B79-37D633B846F1}">
+                <asvg:svgBlip xmlns:asvg="http://schemas.microsoft.com/office/drawing/2016/SVG/main" r:embed="rId6"/>
+              </a:ext>
+            </a:extLst>
+          </a:blip>
+          <a:stretch>
+            <a:fillRect/>
+          </a:stretch>
+        </p:blipFill>
+        <p:spPr>
+          <a:xfrm rot="18865644" flipH="1" flipV="1">
+            <a:off x="9350159" y="2151188"/>
+            <a:ext cx="550561" cy="1213737"/>
+          </a:xfrm>
+          <a:prstGeom prst="rect">
+            <a:avLst/>
+          </a:prstGeom>
+        </p:spPr>
+      </p:pic>
+      <p:cxnSp>
+        <p:nvCxnSpPr>
+          <p:cNvPr id="51" name="Straight Connector 50">
+            <a:extLst>
+              <a:ext uri="{FF2B5EF4-FFF2-40B4-BE49-F238E27FC236}">
+                <a16:creationId xmlns:a16="http://schemas.microsoft.com/office/drawing/2014/main" id="{7CF2A62E-DD16-EF46-859F-6AD4B65F20AE}"/>
+              </a:ext>
+            </a:extLst>
+          </p:cNvPr>
+          <p:cNvCxnSpPr>
+            <a:cxnSpLocks/>
+          </p:cNvCxnSpPr>
+          <p:nvPr/>
+        </p:nvCxnSpPr>
+        <p:spPr>
+          <a:xfrm>
+            <a:off x="10969151" y="3433604"/>
+            <a:ext cx="0" cy="914400"/>
+          </a:xfrm>
+          <a:prstGeom prst="line">
+            <a:avLst/>
+          </a:prstGeom>
+          <a:ln>
+            <a:solidFill>
+              <a:schemeClr val="tx1"/>
+            </a:solidFill>
+          </a:ln>
+        </p:spPr>
+        <p:style>
+          <a:lnRef idx="1">
+            <a:schemeClr val="accent1"/>
+          </a:lnRef>
+          <a:fillRef idx="0">
+            <a:schemeClr val="accent1"/>
+          </a:fillRef>
+          <a:effectRef idx="0">
+            <a:schemeClr val="accent1"/>
+          </a:effectRef>
+          <a:fontRef idx="minor">
+            <a:schemeClr val="tx1"/>
+          </a:fontRef>
+        </p:style>
+      </p:cxnSp>
+      <p:sp>
+        <p:nvSpPr>
+          <p:cNvPr id="53" name="Oval 52">
+            <a:extLst>
+              <a:ext uri="{FF2B5EF4-FFF2-40B4-BE49-F238E27FC236}">
+                <a16:creationId xmlns:a16="http://schemas.microsoft.com/office/drawing/2014/main" id="{E5C436FA-4ACC-2440-BC7D-36546FFCB9C9}"/>
+              </a:ext>
+            </a:extLst>
+          </p:cNvPr>
+          <p:cNvSpPr/>
+          <p:nvPr/>
+        </p:nvSpPr>
+        <p:spPr>
+          <a:xfrm>
+            <a:off x="1809371" y="2279605"/>
+            <a:ext cx="331460" cy="334143"/>
+          </a:xfrm>
+          <a:prstGeom prst="ellipse">
+            <a:avLst/>
+          </a:prstGeom>
+          <a:gradFill flip="none" rotWithShape="1">
+            <a:gsLst>
+              <a:gs pos="51000">
+                <a:srgbClr val="64B0E6"/>
+              </a:gs>
+              <a:gs pos="32000">
+                <a:srgbClr val="9ED2F5"/>
+              </a:gs>
+              <a:gs pos="74000">
+                <a:srgbClr val="298ED6"/>
+              </a:gs>
+            </a:gsLst>
+            <a:path path="circle">
+              <a:fillToRect l="50000" t="50000" r="50000" b="50000"/>
+            </a:path>
+            <a:tileRect/>
+          </a:gradFill>
+          <a:ln w="38100">
+            <a:noFill/>
+          </a:ln>
+          <a:effectLst>
+            <a:glow rad="38100">
+              <a:srgbClr val="2E90D8">
+                <a:alpha val="89000"/>
+              </a:srgbClr>
+            </a:glow>
+          </a:effectLst>
+        </p:spPr>
+        <p:style>
+          <a:lnRef idx="2">
+            <a:schemeClr val="accent1">
+              <a:shade val="50000"/>
+            </a:schemeClr>
+          </a:lnRef>
+          <a:fillRef idx="1">
+            <a:schemeClr val="accent1"/>
+          </a:fillRef>
+          <a:effectRef idx="0">
+            <a:schemeClr val="accent1"/>
+          </a:effectRef>
+          <a:fontRef idx="minor">
+            <a:schemeClr val="lt1"/>
+          </a:fontRef>
+        </p:style>
+        <p:txBody>
+          <a:bodyPr rtlCol="0" anchor="ctr"/>
+          <a:lstStyle/>
+          <a:p>
+            <a:pPr algn="ctr"/>
+            <a:endParaRPr lang="en-US"/>
+          </a:p>
+        </p:txBody>
+      </p:sp>
+      <p:sp>
+        <p:nvSpPr>
+          <p:cNvPr id="55" name="Oval 54">
+            <a:extLst>
+              <a:ext uri="{FF2B5EF4-FFF2-40B4-BE49-F238E27FC236}">
+                <a16:creationId xmlns:a16="http://schemas.microsoft.com/office/drawing/2014/main" id="{531FD612-9824-A341-B805-E1EA716F963A}"/>
+              </a:ext>
+            </a:extLst>
+          </p:cNvPr>
+          <p:cNvSpPr/>
+          <p:nvPr/>
+        </p:nvSpPr>
+        <p:spPr>
+          <a:xfrm>
+            <a:off x="2534141" y="2296516"/>
+            <a:ext cx="286572" cy="288892"/>
+          </a:xfrm>
+          <a:prstGeom prst="ellipse">
+            <a:avLst/>
+          </a:prstGeom>
+          <a:gradFill flip="none" rotWithShape="1">
+            <a:gsLst>
+              <a:gs pos="51000">
+                <a:srgbClr val="64B0E6"/>
+              </a:gs>
+              <a:gs pos="32000">
+                <a:srgbClr val="9ED2F5"/>
+              </a:gs>
+              <a:gs pos="74000">
+                <a:srgbClr val="298ED6"/>
+              </a:gs>
+            </a:gsLst>
+            <a:path path="circle">
+              <a:fillToRect l="50000" t="50000" r="50000" b="50000"/>
+            </a:path>
+            <a:tileRect/>
+          </a:gradFill>
+          <a:ln w="38100">
+            <a:noFill/>
+          </a:ln>
+          <a:effectLst>
+            <a:glow rad="38100">
+              <a:srgbClr val="2E90D8">
+                <a:alpha val="89000"/>
+              </a:srgbClr>
+            </a:glow>
+          </a:effectLst>
+        </p:spPr>
+        <p:style>
+          <a:lnRef idx="2">
+            <a:schemeClr val="accent1">
+              <a:shade val="50000"/>
+            </a:schemeClr>
+          </a:lnRef>
+          <a:fillRef idx="1">
+            <a:schemeClr val="accent1"/>
+          </a:fillRef>
+          <a:effectRef idx="0">
+            <a:schemeClr val="accent1"/>
+          </a:effectRef>
+          <a:fontRef idx="minor">
+            <a:schemeClr val="lt1"/>
+          </a:fontRef>
+        </p:style>
+        <p:txBody>
+          <a:bodyPr rtlCol="0" anchor="ctr"/>
+          <a:lstStyle/>
+          <a:p>
+            <a:pPr algn="ctr"/>
+            <a:endParaRPr lang="en-US"/>
+          </a:p>
+        </p:txBody>
+      </p:sp>
+      <p:sp>
+        <p:nvSpPr>
+          <p:cNvPr id="56" name="Oval 55">
+            <a:extLst>
+              <a:ext uri="{FF2B5EF4-FFF2-40B4-BE49-F238E27FC236}">
+                <a16:creationId xmlns:a16="http://schemas.microsoft.com/office/drawing/2014/main" id="{B7506EC5-FB6D-774E-B7A8-0F9578E79A47}"/>
+              </a:ext>
+            </a:extLst>
+          </p:cNvPr>
+          <p:cNvSpPr/>
+          <p:nvPr/>
+        </p:nvSpPr>
+        <p:spPr>
+          <a:xfrm>
+            <a:off x="4695478" y="2316083"/>
+            <a:ext cx="247751" cy="249757"/>
+          </a:xfrm>
+          <a:prstGeom prst="ellipse">
+            <a:avLst/>
+          </a:prstGeom>
+          <a:solidFill>
+            <a:schemeClr val="tx1">
+              <a:lumMod val="65000"/>
+              <a:lumOff val="35000"/>
+            </a:schemeClr>
+          </a:solidFill>
+          <a:ln w="38100">
+            <a:noFill/>
+          </a:ln>
+          <a:effectLst>
+            <a:glow rad="76200">
+              <a:srgbClr val="79701C">
+                <a:alpha val="92000"/>
+              </a:srgbClr>
+            </a:glow>
+          </a:effectLst>
+        </p:spPr>
+        <p:style>
+          <a:lnRef idx="2">
+            <a:schemeClr val="accent1">
+              <a:shade val="50000"/>
+            </a:schemeClr>
+          </a:lnRef>
+          <a:fillRef idx="1">
+            <a:schemeClr val="accent1"/>
+          </a:fillRef>
+          <a:effectRef idx="0">
+            <a:schemeClr val="accent1"/>
+          </a:effectRef>
+          <a:fontRef idx="minor">
+            <a:schemeClr val="lt1"/>
+          </a:fontRef>
+        </p:style>
+        <p:txBody>
+          <a:bodyPr rtlCol="0" anchor="ctr"/>
+          <a:lstStyle/>
+          <a:p>
+            <a:pPr algn="ctr"/>
+            <a:endParaRPr lang="en-US" dirty="0"/>
+          </a:p>
+        </p:txBody>
+      </p:sp>
+      <p:sp>
+        <p:nvSpPr>
+          <p:cNvPr id="58" name="Oval 57">
+            <a:extLst>
+              <a:ext uri="{FF2B5EF4-FFF2-40B4-BE49-F238E27FC236}">
+                <a16:creationId xmlns:a16="http://schemas.microsoft.com/office/drawing/2014/main" id="{0D6EA25E-9ABA-AC48-AB4E-545BF367C027}"/>
+              </a:ext>
+            </a:extLst>
+          </p:cNvPr>
+          <p:cNvSpPr/>
+          <p:nvPr/>
+        </p:nvSpPr>
+        <p:spPr>
+          <a:xfrm>
+            <a:off x="4237017" y="2383146"/>
+            <a:ext cx="136635" cy="137741"/>
+          </a:xfrm>
+          <a:prstGeom prst="ellipse">
+            <a:avLst/>
+          </a:prstGeom>
+          <a:gradFill flip="none" rotWithShape="1">
+            <a:gsLst>
+              <a:gs pos="48000">
+                <a:srgbClr val="999899"/>
+              </a:gs>
+              <a:gs pos="13000">
+                <a:srgbClr val="C5C1C0"/>
+              </a:gs>
+              <a:gs pos="84000">
+                <a:srgbClr val="706C72"/>
+              </a:gs>
+            </a:gsLst>
+            <a:path path="circle">
+              <a:fillToRect l="50000" t="50000" r="50000" b="50000"/>
+            </a:path>
+            <a:tileRect/>
+          </a:gradFill>
+          <a:ln w="38100">
+            <a:noFill/>
+          </a:ln>
+          <a:effectLst>
+            <a:glow rad="76200">
+              <a:srgbClr val="706C72"/>
+            </a:glow>
+          </a:effectLst>
+        </p:spPr>
+        <p:style>
+          <a:lnRef idx="2">
+            <a:schemeClr val="accent1">
+              <a:shade val="50000"/>
+            </a:schemeClr>
+          </a:lnRef>
+          <a:fillRef idx="1">
+            <a:schemeClr val="accent1"/>
+          </a:fillRef>
+          <a:effectRef idx="0">
+            <a:schemeClr val="accent1"/>
+          </a:effectRef>
+          <a:fontRef idx="minor">
+            <a:schemeClr val="lt1"/>
+          </a:fontRef>
+        </p:style>
+        <p:txBody>
+          <a:bodyPr rtlCol="0" anchor="ctr"/>
+          <a:lstStyle/>
+          <a:p>
+            <a:pPr algn="ctr"/>
+            <a:endParaRPr lang="en-US"/>
+          </a:p>
+        </p:txBody>
+      </p:sp>
+      <p:sp>
+        <p:nvSpPr>
+          <p:cNvPr id="59" name="Oval 58">
+            <a:extLst>
+              <a:ext uri="{FF2B5EF4-FFF2-40B4-BE49-F238E27FC236}">
+                <a16:creationId xmlns:a16="http://schemas.microsoft.com/office/drawing/2014/main" id="{2B133754-BA95-E94D-B7CA-69D18EE4C69C}"/>
+              </a:ext>
+            </a:extLst>
+          </p:cNvPr>
+          <p:cNvSpPr/>
+          <p:nvPr/>
+        </p:nvSpPr>
+        <p:spPr>
+          <a:xfrm>
+            <a:off x="10410303" y="2436345"/>
+            <a:ext cx="247751" cy="249757"/>
+          </a:xfrm>
+          <a:prstGeom prst="ellipse">
+            <a:avLst/>
+          </a:prstGeom>
+          <a:solidFill>
+            <a:schemeClr val="tx1">
+              <a:lumMod val="65000"/>
+              <a:lumOff val="35000"/>
+            </a:schemeClr>
+          </a:solidFill>
+          <a:ln w="38100">
+            <a:noFill/>
+          </a:ln>
+          <a:effectLst>
+            <a:glow rad="76200">
+              <a:srgbClr val="79701C">
+                <a:alpha val="92000"/>
+              </a:srgbClr>
+            </a:glow>
+          </a:effectLst>
+        </p:spPr>
+        <p:style>
+          <a:lnRef idx="2">
+            <a:schemeClr val="accent1">
+              <a:shade val="50000"/>
+            </a:schemeClr>
+          </a:lnRef>
+          <a:fillRef idx="1">
+            <a:schemeClr val="accent1"/>
+          </a:fillRef>
+          <a:effectRef idx="0">
+            <a:schemeClr val="accent1"/>
+          </a:effectRef>
+          <a:fontRef idx="minor">
+            <a:schemeClr val="lt1"/>
+          </a:fontRef>
+        </p:style>
+        <p:txBody>
+          <a:bodyPr rtlCol="0" anchor="ctr"/>
+          <a:lstStyle/>
+          <a:p>
+            <a:pPr algn="ctr"/>
+            <a:endParaRPr lang="en-US"/>
+          </a:p>
+        </p:txBody>
+      </p:sp>
+      <p:sp>
+        <p:nvSpPr>
+          <p:cNvPr id="60" name="Oval 59">
+            <a:extLst>
+              <a:ext uri="{FF2B5EF4-FFF2-40B4-BE49-F238E27FC236}">
+                <a16:creationId xmlns:a16="http://schemas.microsoft.com/office/drawing/2014/main" id="{2BE52971-C4AC-334E-B62C-734D34210713}"/>
+              </a:ext>
+            </a:extLst>
+          </p:cNvPr>
+          <p:cNvSpPr/>
+          <p:nvPr/>
+        </p:nvSpPr>
+        <p:spPr>
+          <a:xfrm>
+            <a:off x="10262597" y="2541656"/>
+            <a:ext cx="136635" cy="137741"/>
+          </a:xfrm>
+          <a:prstGeom prst="ellipse">
+            <a:avLst/>
+          </a:prstGeom>
+          <a:gradFill flip="none" rotWithShape="1">
+            <a:gsLst>
+              <a:gs pos="48000">
+                <a:srgbClr val="999899"/>
+              </a:gs>
+              <a:gs pos="13000">
+                <a:srgbClr val="C5C1C0"/>
+              </a:gs>
+              <a:gs pos="84000">
+                <a:srgbClr val="706C72"/>
+              </a:gs>
+            </a:gsLst>
+            <a:path path="circle">
+              <a:fillToRect l="50000" t="50000" r="50000" b="50000"/>
+            </a:path>
+            <a:tileRect/>
+          </a:gradFill>
+          <a:ln w="38100">
+            <a:noFill/>
+          </a:ln>
+          <a:effectLst>
+            <a:glow rad="76200">
+              <a:srgbClr val="706C72"/>
+            </a:glow>
+          </a:effectLst>
+        </p:spPr>
+        <p:style>
+          <a:lnRef idx="2">
+            <a:schemeClr val="accent1">
+              <a:shade val="50000"/>
+            </a:schemeClr>
+          </a:lnRef>
+          <a:fillRef idx="1">
+            <a:schemeClr val="accent1"/>
+          </a:fillRef>
+          <a:effectRef idx="0">
+            <a:schemeClr val="accent1"/>
+          </a:effectRef>
+          <a:fontRef idx="minor">
+            <a:schemeClr val="lt1"/>
+          </a:fontRef>
+        </p:style>
+        <p:txBody>
+          <a:bodyPr rtlCol="0" anchor="ctr"/>
+          <a:lstStyle/>
+          <a:p>
+            <a:pPr algn="ctr"/>
+            <a:endParaRPr lang="en-US"/>
+          </a:p>
+        </p:txBody>
+      </p:sp>
+      <p:cxnSp>
+        <p:nvCxnSpPr>
+          <p:cNvPr id="69" name="Straight Arrow Connector 68">
+            <a:extLst>
+              <a:ext uri="{FF2B5EF4-FFF2-40B4-BE49-F238E27FC236}">
+                <a16:creationId xmlns:a16="http://schemas.microsoft.com/office/drawing/2014/main" id="{E2711F47-21B6-864B-9D77-261823EB6802}"/>
+              </a:ext>
+            </a:extLst>
+          </p:cNvPr>
+          <p:cNvCxnSpPr>
+            <a:cxnSpLocks/>
+          </p:cNvCxnSpPr>
+          <p:nvPr/>
+        </p:nvCxnSpPr>
+        <p:spPr>
+          <a:xfrm flipH="1">
+            <a:off x="3556304" y="2696499"/>
+            <a:ext cx="953272" cy="650106"/>
+          </a:xfrm>
+          <a:prstGeom prst="straightConnector1">
+            <a:avLst/>
+          </a:prstGeom>
+          <a:ln>
+            <a:solidFill>
+              <a:schemeClr val="tx1"/>
+            </a:solidFill>
+            <a:tailEnd type="triangle"/>
+          </a:ln>
+        </p:spPr>
+        <p:style>
+          <a:lnRef idx="1">
+            <a:schemeClr val="accent1"/>
+          </a:lnRef>
+          <a:fillRef idx="0">
+            <a:schemeClr val="accent1"/>
+          </a:fillRef>
+          <a:effectRef idx="0">
+            <a:schemeClr val="accent1"/>
+          </a:effectRef>
+          <a:fontRef idx="minor">
+            <a:schemeClr val="tx1"/>
+          </a:fontRef>
+        </p:style>
+      </p:cxnSp>
+      <p:cxnSp>
+        <p:nvCxnSpPr>
+          <p:cNvPr id="71" name="Straight Arrow Connector 70">
+            <a:extLst>
+              <a:ext uri="{FF2B5EF4-FFF2-40B4-BE49-F238E27FC236}">
+                <a16:creationId xmlns:a16="http://schemas.microsoft.com/office/drawing/2014/main" id="{AC0EE059-EF55-7D4C-BC8F-D1A19CB2BD60}"/>
+              </a:ext>
+            </a:extLst>
+          </p:cNvPr>
+          <p:cNvCxnSpPr>
+            <a:cxnSpLocks/>
+          </p:cNvCxnSpPr>
+          <p:nvPr/>
+        </p:nvCxnSpPr>
+        <p:spPr>
+          <a:xfrm>
+            <a:off x="10410303" y="2983974"/>
+            <a:ext cx="0" cy="228952"/>
+          </a:xfrm>
+          <a:prstGeom prst="straightConnector1">
+            <a:avLst/>
+          </a:prstGeom>
+          <a:ln>
+            <a:solidFill>
+              <a:schemeClr val="tx1"/>
+            </a:solidFill>
+            <a:tailEnd type="triangle"/>
+          </a:ln>
+        </p:spPr>
+        <p:style>
+          <a:lnRef idx="1">
+            <a:schemeClr val="accent1"/>
+          </a:lnRef>
+          <a:fillRef idx="0">
+            <a:schemeClr val="accent1"/>
+          </a:fillRef>
+          <a:effectRef idx="0">
+            <a:schemeClr val="accent1"/>
+          </a:effectRef>
+          <a:fontRef idx="minor">
+            <a:schemeClr val="tx1"/>
+          </a:fontRef>
+        </p:style>
+      </p:cxnSp>
+      <p:sp>
+        <p:nvSpPr>
+          <p:cNvPr id="4" name="TextBox 3">
+            <a:extLst>
+              <a:ext uri="{FF2B5EF4-FFF2-40B4-BE49-F238E27FC236}">
+                <a16:creationId xmlns:a16="http://schemas.microsoft.com/office/drawing/2014/main" id="{D274B92A-ECD6-694D-BD80-0998F08FE562}"/>
+              </a:ext>
+            </a:extLst>
+          </p:cNvPr>
+          <p:cNvSpPr txBox="1"/>
+          <p:nvPr/>
+        </p:nvSpPr>
+        <p:spPr>
+          <a:xfrm>
+            <a:off x="1956726" y="1476692"/>
+            <a:ext cx="1428091" cy="369332"/>
+          </a:xfrm>
+          <a:prstGeom prst="rect">
+            <a:avLst/>
+          </a:prstGeom>
+          <a:noFill/>
+          <a:ln>
+            <a:noFill/>
+          </a:ln>
+        </p:spPr>
+        <p:txBody>
+          <a:bodyPr wrap="square" rtlCol="0">
+            <a:spAutoFit/>
+          </a:bodyPr>
+          <a:lstStyle/>
+          <a:p>
+            <a:r>
+              <a:rPr lang="en-US" dirty="0">
+                <a:solidFill>
+                  <a:sysClr val="windowText" lastClr="000000"/>
+                </a:solidFill>
+                <a:latin typeface="LM Roman 10" pitchFamily="2" charset="77"/>
+              </a:rPr>
+              <a:t>ZAMS</a:t>
+            </a:r>
+          </a:p>
+        </p:txBody>
+      </p:sp>
+      <p:sp>
+        <p:nvSpPr>
+          <p:cNvPr id="33" name="TextBox 32">
+            <a:extLst>
+              <a:ext uri="{FF2B5EF4-FFF2-40B4-BE49-F238E27FC236}">
+                <a16:creationId xmlns:a16="http://schemas.microsoft.com/office/drawing/2014/main" id="{EAF3204E-C53D-CE45-A709-77E1D4F06546}"/>
+              </a:ext>
+            </a:extLst>
+          </p:cNvPr>
+          <p:cNvSpPr txBox="1"/>
+          <p:nvPr/>
+        </p:nvSpPr>
+        <p:spPr>
+          <a:xfrm>
+            <a:off x="4223516" y="1473897"/>
+            <a:ext cx="953272" cy="369332"/>
+          </a:xfrm>
+          <a:prstGeom prst="rect">
+            <a:avLst/>
+          </a:prstGeom>
+          <a:noFill/>
+          <a:ln>
+            <a:noFill/>
+          </a:ln>
+        </p:spPr>
+        <p:txBody>
+          <a:bodyPr wrap="square" rtlCol="0">
+            <a:spAutoFit/>
+          </a:bodyPr>
+          <a:lstStyle/>
+          <a:p>
+            <a:r>
+              <a:rPr lang="en-US" dirty="0">
+                <a:solidFill>
+                  <a:sysClr val="windowText" lastClr="000000"/>
+                </a:solidFill>
+                <a:latin typeface="LM Roman 10" pitchFamily="2" charset="77"/>
+              </a:rPr>
+              <a:t>BHBH</a:t>
+            </a:r>
+          </a:p>
+        </p:txBody>
+      </p:sp>
+      <p:sp>
+        <p:nvSpPr>
+          <p:cNvPr id="36" name="TextBox 35">
+            <a:extLst>
+              <a:ext uri="{FF2B5EF4-FFF2-40B4-BE49-F238E27FC236}">
+                <a16:creationId xmlns:a16="http://schemas.microsoft.com/office/drawing/2014/main" id="{61518383-F561-C94F-83C6-03E8E58E3472}"/>
+              </a:ext>
+            </a:extLst>
+          </p:cNvPr>
+          <p:cNvSpPr txBox="1"/>
+          <p:nvPr/>
+        </p:nvSpPr>
+        <p:spPr>
+          <a:xfrm>
+            <a:off x="9863221" y="1473897"/>
+            <a:ext cx="1159825" cy="369332"/>
+          </a:xfrm>
+          <a:prstGeom prst="rect">
+            <a:avLst/>
+          </a:prstGeom>
+          <a:noFill/>
+          <a:ln>
+            <a:noFill/>
+          </a:ln>
+        </p:spPr>
+        <p:txBody>
+          <a:bodyPr wrap="square" rtlCol="0">
+            <a:spAutoFit/>
+          </a:bodyPr>
+          <a:lstStyle/>
+          <a:p>
+            <a:r>
+              <a:rPr lang="en-US" dirty="0">
+                <a:solidFill>
+                  <a:sysClr val="windowText" lastClr="000000"/>
+                </a:solidFill>
+                <a:latin typeface="LM Roman 10" pitchFamily="2" charset="77"/>
+              </a:rPr>
+              <a:t>Merger</a:t>
+            </a:r>
+          </a:p>
+        </p:txBody>
+      </p:sp>
+      <p:cxnSp>
+        <p:nvCxnSpPr>
+          <p:cNvPr id="8" name="Straight Arrow Connector 7">
+            <a:extLst>
+              <a:ext uri="{FF2B5EF4-FFF2-40B4-BE49-F238E27FC236}">
+                <a16:creationId xmlns:a16="http://schemas.microsoft.com/office/drawing/2014/main" id="{5332B335-A2F5-1348-83F1-7024BB3FB0EE}"/>
+              </a:ext>
+            </a:extLst>
+          </p:cNvPr>
+          <p:cNvCxnSpPr>
+            <a:cxnSpLocks/>
+          </p:cNvCxnSpPr>
+          <p:nvPr/>
+        </p:nvCxnSpPr>
+        <p:spPr>
+          <a:xfrm flipH="1">
+            <a:off x="609606" y="622127"/>
+            <a:ext cx="10359545" cy="0"/>
+          </a:xfrm>
+          <a:prstGeom prst="straightConnector1">
+            <a:avLst/>
+          </a:prstGeom>
+          <a:ln w="19050" cap="flat" cmpd="sng" algn="ctr">
+            <a:solidFill>
+              <a:schemeClr val="tx1"/>
+            </a:solidFill>
+            <a:prstDash val="sysDash"/>
+            <a:round/>
+            <a:headEnd type="none" w="med" len="med"/>
+            <a:tailEnd type="arrow" w="med" len="med"/>
+          </a:ln>
+        </p:spPr>
+        <p:style>
+          <a:lnRef idx="0">
+            <a:scrgbClr r="0" g="0" b="0"/>
+          </a:lnRef>
+          <a:fillRef idx="0">
+            <a:scrgbClr r="0" g="0" b="0"/>
+          </a:fillRef>
+          <a:effectRef idx="0">
+            <a:scrgbClr r="0" g="0" b="0"/>
+          </a:effectRef>
+          <a:fontRef idx="minor">
+            <a:schemeClr val="tx1"/>
+          </a:fontRef>
+        </p:style>
+      </p:cxnSp>
+      <p:cxnSp>
+        <p:nvCxnSpPr>
+          <p:cNvPr id="44" name="Straight Arrow Connector 43">
+            <a:extLst>
+              <a:ext uri="{FF2B5EF4-FFF2-40B4-BE49-F238E27FC236}">
+                <a16:creationId xmlns:a16="http://schemas.microsoft.com/office/drawing/2014/main" id="{DEA806FA-4645-B244-A5AB-EF4FE7EB5549}"/>
+              </a:ext>
+            </a:extLst>
+          </p:cNvPr>
+          <p:cNvCxnSpPr>
+            <a:cxnSpLocks/>
+          </p:cNvCxnSpPr>
+          <p:nvPr/>
+        </p:nvCxnSpPr>
+        <p:spPr>
+          <a:xfrm>
+            <a:off x="3450220" y="5333647"/>
+            <a:ext cx="6949012" cy="0"/>
+          </a:xfrm>
+          <a:prstGeom prst="straightConnector1">
+            <a:avLst/>
+          </a:prstGeom>
+          <a:ln>
+            <a:solidFill>
+              <a:schemeClr val="tx1"/>
+            </a:solidFill>
+            <a:headEnd type="triangle"/>
+            <a:tailEnd type="triangle"/>
+          </a:ln>
+        </p:spPr>
+        <p:style>
+          <a:lnRef idx="1">
+            <a:schemeClr val="accent1"/>
+          </a:lnRef>
+          <a:fillRef idx="0">
+            <a:schemeClr val="accent1"/>
+          </a:fillRef>
+          <a:effectRef idx="0">
+            <a:schemeClr val="accent1"/>
+          </a:effectRef>
+          <a:fontRef idx="minor">
+            <a:schemeClr val="tx1"/>
+          </a:fontRef>
+        </p:style>
+      </p:cxnSp>
+      <p:pic>
+        <p:nvPicPr>
+          <p:cNvPr id="5" name="Picture 4">
+            <a:extLst>
+              <a:ext uri="{FF2B5EF4-FFF2-40B4-BE49-F238E27FC236}">
+                <a16:creationId xmlns:a16="http://schemas.microsoft.com/office/drawing/2014/main" id="{652518DA-580D-CC4D-9AB1-945E3EF8D44E}"/>
+              </a:ext>
+            </a:extLst>
+          </p:cNvPr>
+          <p:cNvPicPr>
+            <a:picLocks noChangeAspect="1"/>
+          </p:cNvPicPr>
+          <p:nvPr/>
+        </p:nvPicPr>
+        <p:blipFill>
+          <a:blip r:embed="rId7"/>
+          <a:stretch>
+            <a:fillRect/>
+          </a:stretch>
+        </p:blipFill>
+        <p:spPr>
+          <a:xfrm>
+            <a:off x="5873750" y="3321050"/>
+            <a:ext cx="444500" cy="215900"/>
+          </a:xfrm>
+          <a:prstGeom prst="rect">
+            <a:avLst/>
+          </a:prstGeom>
+        </p:spPr>
+      </p:pic>
+      <p:pic>
+        <p:nvPicPr>
+          <p:cNvPr id="6" name="Picture 5">
+            <a:extLst>
+              <a:ext uri="{FF2B5EF4-FFF2-40B4-BE49-F238E27FC236}">
+                <a16:creationId xmlns:a16="http://schemas.microsoft.com/office/drawing/2014/main" id="{38BBDB1C-04CA-5540-BCB0-354B98BA1DCA}"/>
+              </a:ext>
+            </a:extLst>
+          </p:cNvPr>
+          <p:cNvPicPr>
+            <a:picLocks noChangeAspect="1"/>
+          </p:cNvPicPr>
+          <p:nvPr/>
+        </p:nvPicPr>
+        <p:blipFill>
+          <a:blip r:embed="rId8">
+            <a:duotone>
+              <a:prstClr val="black"/>
+              <a:schemeClr val="tx1">
+                <a:tint val="45000"/>
+                <a:satMod val="400000"/>
+              </a:schemeClr>
+            </a:duotone>
+            <a:extLst>
+              <a:ext uri="{BEBA8EAE-BF5A-486C-A8C5-ECC9F3942E4B}">
+                <a14:imgProps xmlns:a14="http://schemas.microsoft.com/office/drawing/2010/main">
+                  <a14:imgLayer r:embed="rId9">
+                    <a14:imgEffect>
+                      <a14:saturation sat="0"/>
+                    </a14:imgEffect>
+                  </a14:imgLayer>
+                </a14:imgProps>
+              </a:ext>
+            </a:extLst>
+          </a:blip>
+          <a:stretch>
+            <a:fillRect/>
+          </a:stretch>
+        </p:blipFill>
+        <p:spPr>
+          <a:xfrm>
+            <a:off x="2128923" y="4426035"/>
+            <a:ext cx="641623" cy="311645"/>
+          </a:xfrm>
+          <a:prstGeom prst="rect">
+            <a:avLst/>
+          </a:prstGeom>
+          <a:solidFill>
+            <a:schemeClr val="bg1"/>
+          </a:solidFill>
+          <a:ln>
+            <a:noFill/>
+          </a:ln>
+        </p:spPr>
+      </p:pic>
+      <p:pic>
+        <p:nvPicPr>
+          <p:cNvPr id="10" name="Picture 9">
+            <a:extLst>
+              <a:ext uri="{FF2B5EF4-FFF2-40B4-BE49-F238E27FC236}">
+                <a16:creationId xmlns:a16="http://schemas.microsoft.com/office/drawing/2014/main" id="{09E75E68-DB2A-F04C-AB33-B0441F463C1B}"/>
+              </a:ext>
+            </a:extLst>
+          </p:cNvPr>
+          <p:cNvPicPr>
+            <a:picLocks noChangeAspect="1"/>
+          </p:cNvPicPr>
+          <p:nvPr/>
+        </p:nvPicPr>
+        <p:blipFill>
+          <a:blip r:embed="rId10">
+            <a:duotone>
+              <a:prstClr val="black"/>
+              <a:schemeClr val="tx1">
+                <a:tint val="45000"/>
+                <a:satMod val="400000"/>
+              </a:schemeClr>
+            </a:duotone>
+          </a:blip>
+          <a:stretch>
+            <a:fillRect/>
+          </a:stretch>
+        </p:blipFill>
+        <p:spPr>
+          <a:xfrm>
+            <a:off x="3306785" y="4423896"/>
+            <a:ext cx="714952" cy="311646"/>
+          </a:xfrm>
+          <a:prstGeom prst="rect">
+            <a:avLst/>
+          </a:prstGeom>
+          <a:solidFill>
+            <a:schemeClr val="bg1"/>
+          </a:solidFill>
+          <a:ln>
+            <a:noFill/>
+          </a:ln>
+        </p:spPr>
+      </p:pic>
+      <p:pic>
+        <p:nvPicPr>
+          <p:cNvPr id="11" name="Picture 10">
+            <a:extLst>
+              <a:ext uri="{FF2B5EF4-FFF2-40B4-BE49-F238E27FC236}">
+                <a16:creationId xmlns:a16="http://schemas.microsoft.com/office/drawing/2014/main" id="{B8F257DB-1C02-3246-A2D5-6C2715337AE1}"/>
+              </a:ext>
+            </a:extLst>
+          </p:cNvPr>
+          <p:cNvPicPr>
+            <a:picLocks noChangeAspect="1"/>
+          </p:cNvPicPr>
+          <p:nvPr/>
+        </p:nvPicPr>
+        <p:blipFill>
+          <a:blip r:embed="rId11">
+            <a:duotone>
+              <a:prstClr val="black"/>
+              <a:schemeClr val="tx1">
+                <a:tint val="45000"/>
+                <a:satMod val="400000"/>
+              </a:schemeClr>
+            </a:duotone>
+          </a:blip>
+          <a:stretch>
+            <a:fillRect/>
+          </a:stretch>
+        </p:blipFill>
+        <p:spPr>
+          <a:xfrm>
+            <a:off x="2497621" y="5406027"/>
+            <a:ext cx="824944" cy="311646"/>
+          </a:xfrm>
+          <a:prstGeom prst="rect">
+            <a:avLst/>
+          </a:prstGeom>
+          <a:solidFill>
+            <a:schemeClr val="bg1"/>
+          </a:solidFill>
+          <a:ln>
+            <a:noFill/>
+          </a:ln>
+        </p:spPr>
+      </p:pic>
+      <p:pic>
+        <p:nvPicPr>
+          <p:cNvPr id="12" name="Picture 11">
+            <a:extLst>
+              <a:ext uri="{FF2B5EF4-FFF2-40B4-BE49-F238E27FC236}">
+                <a16:creationId xmlns:a16="http://schemas.microsoft.com/office/drawing/2014/main" id="{139AE681-5D5B-5D4C-B999-D1085909C8F8}"/>
+              </a:ext>
+            </a:extLst>
+          </p:cNvPr>
+          <p:cNvPicPr>
+            <a:picLocks noChangeAspect="1"/>
+          </p:cNvPicPr>
+          <p:nvPr/>
+        </p:nvPicPr>
+        <p:blipFill>
+          <a:blip r:embed="rId12">
+            <a:duotone>
+              <a:prstClr val="black"/>
+              <a:schemeClr val="tx1">
+                <a:tint val="45000"/>
+                <a:satMod val="400000"/>
+              </a:schemeClr>
+            </a:duotone>
+          </a:blip>
+          <a:stretch>
+            <a:fillRect/>
+          </a:stretch>
+        </p:blipFill>
+        <p:spPr>
+          <a:xfrm>
+            <a:off x="6438967" y="5409186"/>
+            <a:ext cx="953269" cy="366642"/>
+          </a:xfrm>
+          <a:prstGeom prst="rect">
+            <a:avLst/>
+          </a:prstGeom>
+          <a:solidFill>
+            <a:schemeClr val="bg1"/>
+          </a:solidFill>
+          <a:ln>
+            <a:noFill/>
+          </a:ln>
+        </p:spPr>
+      </p:pic>
+      <p:pic>
+        <p:nvPicPr>
+          <p:cNvPr id="16" name="Picture 15">
+            <a:extLst>
+              <a:ext uri="{FF2B5EF4-FFF2-40B4-BE49-F238E27FC236}">
+                <a16:creationId xmlns:a16="http://schemas.microsoft.com/office/drawing/2014/main" id="{6A173767-2897-2942-A466-F587BA8EC499}"/>
+              </a:ext>
+            </a:extLst>
+          </p:cNvPr>
+          <p:cNvPicPr>
+            <a:picLocks noChangeAspect="1"/>
+          </p:cNvPicPr>
+          <p:nvPr/>
+        </p:nvPicPr>
+        <p:blipFill>
+          <a:blip r:embed="rId13">
+            <a:duotone>
+              <a:prstClr val="black"/>
+              <a:schemeClr val="tx1">
+                <a:tint val="45000"/>
+                <a:satMod val="400000"/>
+              </a:schemeClr>
+            </a:duotone>
+          </a:blip>
+          <a:stretch>
+            <a:fillRect/>
+          </a:stretch>
+        </p:blipFill>
+        <p:spPr>
+          <a:xfrm>
+            <a:off x="5713570" y="6101395"/>
+            <a:ext cx="714952" cy="366642"/>
+          </a:xfrm>
+          <a:prstGeom prst="rect">
+            <a:avLst/>
+          </a:prstGeom>
+          <a:solidFill>
+            <a:schemeClr val="bg1"/>
+          </a:solidFill>
+          <a:ln>
+            <a:noFill/>
+          </a:ln>
+        </p:spPr>
+      </p:pic>
+      <p:pic>
+        <p:nvPicPr>
+          <p:cNvPr id="17" name="Picture 16">
+            <a:extLst>
+              <a:ext uri="{FF2B5EF4-FFF2-40B4-BE49-F238E27FC236}">
+                <a16:creationId xmlns:a16="http://schemas.microsoft.com/office/drawing/2014/main" id="{DF8CFF50-BBA7-FF46-BCCF-2149B1C4FC12}"/>
+              </a:ext>
+            </a:extLst>
+          </p:cNvPr>
+          <p:cNvPicPr>
+            <a:picLocks noChangeAspect="1"/>
+          </p:cNvPicPr>
+          <p:nvPr/>
+        </p:nvPicPr>
+        <p:blipFill>
+          <a:blip r:embed="rId14">
+            <a:duotone>
+              <a:prstClr val="black"/>
+              <a:schemeClr val="tx1">
+                <a:tint val="45000"/>
+                <a:satMod val="400000"/>
+              </a:schemeClr>
+            </a:duotone>
+          </a:blip>
+          <a:stretch>
+            <a:fillRect/>
+          </a:stretch>
+        </p:blipFill>
+        <p:spPr>
+          <a:xfrm>
+            <a:off x="10278144" y="4454173"/>
+            <a:ext cx="329978" cy="293314"/>
+          </a:xfrm>
+          <a:prstGeom prst="rect">
+            <a:avLst/>
+          </a:prstGeom>
+          <a:solidFill>
+            <a:schemeClr val="bg1"/>
+          </a:solidFill>
+          <a:ln>
+            <a:noFill/>
+          </a:ln>
+        </p:spPr>
+      </p:pic>
+      <p:pic>
+        <p:nvPicPr>
+          <p:cNvPr id="18" name="Picture 17">
+            <a:extLst>
+              <a:ext uri="{FF2B5EF4-FFF2-40B4-BE49-F238E27FC236}">
+                <a16:creationId xmlns:a16="http://schemas.microsoft.com/office/drawing/2014/main" id="{D7154168-D852-BF45-95E5-0543D12FA0DC}"/>
+              </a:ext>
+            </a:extLst>
+          </p:cNvPr>
+          <p:cNvPicPr>
+            <a:picLocks noChangeAspect="1"/>
+          </p:cNvPicPr>
+          <p:nvPr/>
+        </p:nvPicPr>
+        <p:blipFill>
+          <a:blip r:embed="rId15">
+            <a:duotone>
+              <a:prstClr val="black"/>
+              <a:schemeClr val="tx1">
+                <a:tint val="45000"/>
+                <a:satMod val="400000"/>
+              </a:schemeClr>
+            </a:duotone>
+          </a:blip>
+          <a:stretch>
+            <a:fillRect/>
+          </a:stretch>
+        </p:blipFill>
+        <p:spPr>
+          <a:xfrm>
+            <a:off x="10926947" y="4422405"/>
+            <a:ext cx="769948" cy="366642"/>
+          </a:xfrm>
+          <a:prstGeom prst="rect">
+            <a:avLst/>
+          </a:prstGeom>
+          <a:solidFill>
+            <a:schemeClr val="bg1"/>
+          </a:solidFill>
+          <a:ln>
+            <a:noFill/>
+          </a:ln>
+        </p:spPr>
+      </p:pic>
+      <p:pic>
+        <p:nvPicPr>
+          <p:cNvPr id="20" name="Picture 19">
+            <a:extLst>
+              <a:ext uri="{FF2B5EF4-FFF2-40B4-BE49-F238E27FC236}">
+                <a16:creationId xmlns:a16="http://schemas.microsoft.com/office/drawing/2014/main" id="{97FA5D0A-3177-EF4A-87CB-11A0667001F2}"/>
+              </a:ext>
+            </a:extLst>
+          </p:cNvPr>
+          <p:cNvPicPr>
+            <a:picLocks noChangeAspect="1"/>
+          </p:cNvPicPr>
+          <p:nvPr/>
+        </p:nvPicPr>
+        <p:blipFill>
+          <a:blip r:embed="rId16">
+            <a:duotone>
+              <a:prstClr val="black"/>
+              <a:schemeClr val="tx1">
+                <a:tint val="45000"/>
+                <a:satMod val="400000"/>
+              </a:schemeClr>
+            </a:duotone>
+          </a:blip>
+          <a:stretch>
+            <a:fillRect/>
+          </a:stretch>
+        </p:blipFill>
+        <p:spPr>
+          <a:xfrm>
+            <a:off x="10638461" y="226607"/>
+            <a:ext cx="751616" cy="238317"/>
+          </a:xfrm>
+          <a:prstGeom prst="rect">
+            <a:avLst/>
+          </a:prstGeom>
+          <a:solidFill>
+            <a:schemeClr val="bg1"/>
+          </a:solidFill>
+          <a:ln>
+            <a:noFill/>
+          </a:ln>
+        </p:spPr>
+      </p:pic>
+      <p:sp>
+        <p:nvSpPr>
+          <p:cNvPr id="28" name="Chevron 27">
+            <a:extLst>
+              <a:ext uri="{FF2B5EF4-FFF2-40B4-BE49-F238E27FC236}">
+                <a16:creationId xmlns:a16="http://schemas.microsoft.com/office/drawing/2014/main" id="{F74438C2-F38E-C147-8260-53F2094C4C81}"/>
+              </a:ext>
+            </a:extLst>
+          </p:cNvPr>
+          <p:cNvSpPr/>
+          <p:nvPr/>
+        </p:nvSpPr>
+        <p:spPr>
+          <a:xfrm>
+            <a:off x="3321356" y="2282348"/>
+            <a:ext cx="225410" cy="329879"/>
+          </a:xfrm>
+          <a:prstGeom prst="chevron">
+            <a:avLst>
+              <a:gd name="adj" fmla="val 61117"/>
+            </a:avLst>
+          </a:prstGeom>
+          <a:solidFill>
+            <a:schemeClr val="tx1"/>
+          </a:solidFill>
+          <a:ln>
+            <a:solidFill>
+              <a:schemeClr val="bg1">
+                <a:lumMod val="75000"/>
+              </a:schemeClr>
+            </a:solidFill>
+          </a:ln>
+        </p:spPr>
+        <p:style>
+          <a:lnRef idx="2">
+            <a:schemeClr val="accent1">
+              <a:shade val="50000"/>
+            </a:schemeClr>
+          </a:lnRef>
+          <a:fillRef idx="1">
+            <a:schemeClr val="accent1"/>
+          </a:fillRef>
+          <a:effectRef idx="0">
+            <a:schemeClr val="accent1"/>
+          </a:effectRef>
+          <a:fontRef idx="minor">
+            <a:schemeClr val="lt1"/>
+          </a:fontRef>
+        </p:style>
+        <p:txBody>
+          <a:bodyPr rtlCol="0" anchor="ctr"/>
+          <a:lstStyle/>
+          <a:p>
+            <a:pPr algn="ctr"/>
+            <a:endParaRPr lang="en-US">
+              <a:solidFill>
+                <a:schemeClr val="tx1"/>
+              </a:solidFill>
+            </a:endParaRPr>
+          </a:p>
+        </p:txBody>
+      </p:sp>
+      <p:sp>
+        <p:nvSpPr>
+          <p:cNvPr id="61" name="Chevron 60">
+            <a:extLst>
+              <a:ext uri="{FF2B5EF4-FFF2-40B4-BE49-F238E27FC236}">
+                <a16:creationId xmlns:a16="http://schemas.microsoft.com/office/drawing/2014/main" id="{9F023827-633E-2240-9EC7-7C0759190500}"/>
+              </a:ext>
+            </a:extLst>
+          </p:cNvPr>
+          <p:cNvSpPr/>
+          <p:nvPr/>
+        </p:nvSpPr>
+        <p:spPr>
+          <a:xfrm>
+            <a:off x="3517436" y="2292174"/>
+            <a:ext cx="225410" cy="329879"/>
+          </a:xfrm>
+          <a:prstGeom prst="chevron">
+            <a:avLst>
+              <a:gd name="adj" fmla="val 61117"/>
+            </a:avLst>
+          </a:prstGeom>
+          <a:solidFill>
+            <a:schemeClr val="tx1"/>
+          </a:solidFill>
+          <a:ln>
+            <a:solidFill>
+              <a:schemeClr val="bg1">
+                <a:lumMod val="75000"/>
+              </a:schemeClr>
+            </a:solidFill>
+          </a:ln>
+        </p:spPr>
+        <p:style>
+          <a:lnRef idx="2">
+            <a:schemeClr val="accent1">
+              <a:shade val="50000"/>
+            </a:schemeClr>
+          </a:lnRef>
+          <a:fillRef idx="1">
+            <a:schemeClr val="accent1"/>
+          </a:fillRef>
+          <a:effectRef idx="0">
+            <a:schemeClr val="accent1"/>
+          </a:effectRef>
+          <a:fontRef idx="minor">
+            <a:schemeClr val="lt1"/>
+          </a:fontRef>
+        </p:style>
+        <p:txBody>
+          <a:bodyPr rtlCol="0" anchor="ctr"/>
+          <a:lstStyle/>
+          <a:p>
+            <a:pPr algn="ctr"/>
+            <a:endParaRPr lang="en-US">
+              <a:solidFill>
+                <a:schemeClr val="tx1"/>
+              </a:solidFill>
+            </a:endParaRPr>
+          </a:p>
+        </p:txBody>
+      </p:sp>
+      <p:sp>
+        <p:nvSpPr>
+          <p:cNvPr id="62" name="Chevron 61">
+            <a:extLst>
+              <a:ext uri="{FF2B5EF4-FFF2-40B4-BE49-F238E27FC236}">
+                <a16:creationId xmlns:a16="http://schemas.microsoft.com/office/drawing/2014/main" id="{AC4B024B-BEEC-BE4F-BD66-A62C0476FE2D}"/>
+              </a:ext>
+            </a:extLst>
+          </p:cNvPr>
+          <p:cNvSpPr/>
+          <p:nvPr/>
+        </p:nvSpPr>
+        <p:spPr>
+          <a:xfrm>
+            <a:off x="7186772" y="2284315"/>
+            <a:ext cx="225410" cy="329879"/>
+          </a:xfrm>
+          <a:prstGeom prst="chevron">
+            <a:avLst>
+              <a:gd name="adj" fmla="val 61117"/>
+            </a:avLst>
+          </a:prstGeom>
+          <a:solidFill>
+            <a:schemeClr val="tx1"/>
+          </a:solidFill>
+          <a:ln>
+            <a:solidFill>
+              <a:schemeClr val="bg1">
+                <a:lumMod val="75000"/>
+              </a:schemeClr>
+            </a:solidFill>
+          </a:ln>
+        </p:spPr>
+        <p:style>
+          <a:lnRef idx="2">
+            <a:schemeClr val="accent1">
+              <a:shade val="50000"/>
+            </a:schemeClr>
+          </a:lnRef>
+          <a:fillRef idx="1">
+            <a:schemeClr val="accent1"/>
+          </a:fillRef>
+          <a:effectRef idx="0">
+            <a:schemeClr val="accent1"/>
+          </a:effectRef>
+          <a:fontRef idx="minor">
+            <a:schemeClr val="lt1"/>
+          </a:fontRef>
+        </p:style>
+        <p:txBody>
+          <a:bodyPr rtlCol="0" anchor="ctr"/>
+          <a:lstStyle/>
+          <a:p>
+            <a:pPr algn="ctr"/>
+            <a:endParaRPr lang="en-US">
+              <a:solidFill>
+                <a:schemeClr val="tx1"/>
+              </a:solidFill>
+            </a:endParaRPr>
+          </a:p>
+        </p:txBody>
+      </p:sp>
+      <p:sp>
+        <p:nvSpPr>
+          <p:cNvPr id="63" name="Chevron 62">
+            <a:extLst>
+              <a:ext uri="{FF2B5EF4-FFF2-40B4-BE49-F238E27FC236}">
+                <a16:creationId xmlns:a16="http://schemas.microsoft.com/office/drawing/2014/main" id="{8260DC74-C125-0344-A792-E41CFBA7ED9C}"/>
+              </a:ext>
+            </a:extLst>
+          </p:cNvPr>
+          <p:cNvSpPr/>
+          <p:nvPr/>
+        </p:nvSpPr>
+        <p:spPr>
+          <a:xfrm>
+            <a:off x="7382852" y="2294141"/>
+            <a:ext cx="225410" cy="329879"/>
+          </a:xfrm>
+          <a:prstGeom prst="chevron">
+            <a:avLst>
+              <a:gd name="adj" fmla="val 61117"/>
+            </a:avLst>
+          </a:prstGeom>
+          <a:solidFill>
+            <a:schemeClr val="tx1"/>
+          </a:solidFill>
+          <a:ln>
+            <a:solidFill>
+              <a:schemeClr val="bg1">
+                <a:lumMod val="75000"/>
+              </a:schemeClr>
+            </a:solidFill>
+          </a:ln>
+        </p:spPr>
+        <p:style>
+          <a:lnRef idx="2">
+            <a:schemeClr val="accent1">
+              <a:shade val="50000"/>
+            </a:schemeClr>
+          </a:lnRef>
+          <a:fillRef idx="1">
+            <a:schemeClr val="accent1"/>
+          </a:fillRef>
+          <a:effectRef idx="0">
+            <a:schemeClr val="accent1"/>
+          </a:effectRef>
+          <a:fontRef idx="minor">
+            <a:schemeClr val="lt1"/>
+          </a:fontRef>
+        </p:style>
+        <p:txBody>
+          <a:bodyPr rtlCol="0" anchor="ctr"/>
+          <a:lstStyle/>
+          <a:p>
+            <a:pPr algn="ctr"/>
+            <a:endParaRPr lang="en-US">
+              <a:solidFill>
+                <a:schemeClr val="tx1"/>
+              </a:solidFill>
+            </a:endParaRPr>
+          </a:p>
+        </p:txBody>
+      </p:sp>
+      <p:cxnSp>
+        <p:nvCxnSpPr>
+          <p:cNvPr id="45" name="Straight Arrow Connector 44">
+            <a:extLst>
+              <a:ext uri="{FF2B5EF4-FFF2-40B4-BE49-F238E27FC236}">
+                <a16:creationId xmlns:a16="http://schemas.microsoft.com/office/drawing/2014/main" id="{F7D1A331-ADC6-7243-962D-21602F4A1584}"/>
+              </a:ext>
+            </a:extLst>
+          </p:cNvPr>
+          <p:cNvCxnSpPr>
+            <a:cxnSpLocks/>
+          </p:cNvCxnSpPr>
+          <p:nvPr/>
+        </p:nvCxnSpPr>
+        <p:spPr>
+          <a:xfrm>
+            <a:off x="2149150" y="3850298"/>
+            <a:ext cx="268994" cy="0"/>
+          </a:xfrm>
+          <a:prstGeom prst="straightConnector1">
+            <a:avLst/>
+          </a:prstGeom>
+          <a:ln>
+            <a:solidFill>
+              <a:schemeClr val="tx1"/>
+            </a:solidFill>
+            <a:headEnd type="triangle"/>
+            <a:tailEnd type="triangle"/>
+          </a:ln>
+        </p:spPr>
+        <p:style>
+          <a:lnRef idx="1">
+            <a:schemeClr val="accent1"/>
+          </a:lnRef>
+          <a:fillRef idx="0">
+            <a:schemeClr val="accent1"/>
+          </a:fillRef>
+          <a:effectRef idx="0">
+            <a:schemeClr val="accent1"/>
+          </a:effectRef>
+          <a:fontRef idx="minor">
+            <a:schemeClr val="tx1"/>
+          </a:fontRef>
+        </p:style>
+      </p:cxnSp>
+      <p:cxnSp>
+        <p:nvCxnSpPr>
+          <p:cNvPr id="50" name="Straight Arrow Connector 49">
+            <a:extLst>
+              <a:ext uri="{FF2B5EF4-FFF2-40B4-BE49-F238E27FC236}">
+                <a16:creationId xmlns:a16="http://schemas.microsoft.com/office/drawing/2014/main" id="{F300DC6B-7BFD-4C46-8AC7-0C8C35D9FF57}"/>
+              </a:ext>
+            </a:extLst>
+          </p:cNvPr>
+          <p:cNvCxnSpPr>
+            <a:cxnSpLocks/>
+          </p:cNvCxnSpPr>
+          <p:nvPr/>
+        </p:nvCxnSpPr>
+        <p:spPr>
+          <a:xfrm>
+            <a:off x="3320016" y="3850298"/>
+            <a:ext cx="268994" cy="0"/>
+          </a:xfrm>
+          <a:prstGeom prst="straightConnector1">
+            <a:avLst/>
+          </a:prstGeom>
+          <a:ln>
+            <a:solidFill>
+              <a:schemeClr val="tx1"/>
+            </a:solidFill>
+            <a:headEnd type="triangle"/>
+            <a:tailEnd type="triangle"/>
+          </a:ln>
+        </p:spPr>
+        <p:style>
+          <a:lnRef idx="1">
+            <a:schemeClr val="accent1"/>
+          </a:lnRef>
+          <a:fillRef idx="0">
+            <a:schemeClr val="accent1"/>
+          </a:fillRef>
+          <a:effectRef idx="0">
+            <a:schemeClr val="accent1"/>
+          </a:effectRef>
+          <a:fontRef idx="minor">
+            <a:schemeClr val="tx1"/>
+          </a:fontRef>
+        </p:style>
+      </p:cxnSp>
+      <p:cxnSp>
+        <p:nvCxnSpPr>
+          <p:cNvPr id="52" name="Straight Arrow Connector 51">
+            <a:extLst>
+              <a:ext uri="{FF2B5EF4-FFF2-40B4-BE49-F238E27FC236}">
+                <a16:creationId xmlns:a16="http://schemas.microsoft.com/office/drawing/2014/main" id="{812CC872-24BB-0143-ABF8-D8E2A00D6564}"/>
+              </a:ext>
+            </a:extLst>
+          </p:cNvPr>
+          <p:cNvCxnSpPr>
+            <a:cxnSpLocks/>
+          </p:cNvCxnSpPr>
+          <p:nvPr/>
+        </p:nvCxnSpPr>
+        <p:spPr>
+          <a:xfrm>
+            <a:off x="10277026" y="3850298"/>
+            <a:ext cx="268994" cy="0"/>
+          </a:xfrm>
+          <a:prstGeom prst="straightConnector1">
+            <a:avLst/>
+          </a:prstGeom>
+          <a:ln>
+            <a:solidFill>
+              <a:schemeClr val="tx1"/>
+            </a:solidFill>
+            <a:headEnd type="triangle"/>
+            <a:tailEnd type="triangle"/>
+          </a:ln>
+        </p:spPr>
+        <p:style>
+          <a:lnRef idx="1">
+            <a:schemeClr val="accent1"/>
+          </a:lnRef>
+          <a:fillRef idx="0">
+            <a:schemeClr val="accent1"/>
+          </a:fillRef>
+          <a:effectRef idx="0">
+            <a:schemeClr val="accent1"/>
+          </a:effectRef>
+          <a:fontRef idx="minor">
+            <a:schemeClr val="tx1"/>
+          </a:fontRef>
+        </p:style>
+      </p:cxnSp>
+      <p:pic>
+        <p:nvPicPr>
+          <p:cNvPr id="57" name="Picture 56">
+            <a:extLst>
+              <a:ext uri="{FF2B5EF4-FFF2-40B4-BE49-F238E27FC236}">
+                <a16:creationId xmlns:a16="http://schemas.microsoft.com/office/drawing/2014/main" id="{1D65C53B-1161-204A-8A1A-CE3831D4890F}"/>
+              </a:ext>
+            </a:extLst>
+          </p:cNvPr>
+          <p:cNvPicPr>
+            <a:picLocks noChangeAspect="1"/>
+          </p:cNvPicPr>
+          <p:nvPr/>
+        </p:nvPicPr>
+        <p:blipFill rotWithShape="1">
+          <a:blip r:embed="rId16">
+            <a:duotone>
+              <a:prstClr val="black"/>
+              <a:schemeClr val="tx1">
+                <a:tint val="45000"/>
+                <a:satMod val="400000"/>
+              </a:schemeClr>
+            </a:duotone>
+          </a:blip>
+          <a:srcRect l="75629" t="-23077" r="-5952" b="-17695"/>
+          <a:stretch/>
+        </p:blipFill>
+        <p:spPr>
+          <a:xfrm>
+            <a:off x="495617" y="4438296"/>
+            <a:ext cx="227910" cy="335482"/>
+          </a:xfrm>
+          <a:prstGeom prst="rect">
+            <a:avLst/>
+          </a:prstGeom>
+          <a:solidFill>
+            <a:schemeClr val="bg1"/>
+          </a:solidFill>
+          <a:ln>
+            <a:noFill/>
+          </a:ln>
+        </p:spPr>
+      </p:pic>
+      <p:sp>
+        <p:nvSpPr>
+          <p:cNvPr id="2" name="TextBox 1">
+            <a:extLst>
+              <a:ext uri="{FF2B5EF4-FFF2-40B4-BE49-F238E27FC236}">
+                <a16:creationId xmlns:a16="http://schemas.microsoft.com/office/drawing/2014/main" id="{B341ED4A-3D09-0997-2B39-887505425CD1}"/>
+              </a:ext>
+            </a:extLst>
+          </p:cNvPr>
+          <p:cNvSpPr txBox="1"/>
+          <p:nvPr/>
+        </p:nvSpPr>
+        <p:spPr>
+          <a:xfrm>
+            <a:off x="325286" y="185615"/>
+            <a:ext cx="2655901" cy="369332"/>
+          </a:xfrm>
+          <a:prstGeom prst="rect">
+            <a:avLst/>
+          </a:prstGeom>
+          <a:noFill/>
+          <a:ln>
+            <a:noFill/>
+          </a:ln>
+        </p:spPr>
+        <p:txBody>
+          <a:bodyPr wrap="square" rtlCol="0">
+            <a:spAutoFit/>
+          </a:bodyPr>
+          <a:lstStyle/>
+          <a:p>
+            <a:r>
+              <a:rPr lang="en-US" dirty="0">
+                <a:solidFill>
+                  <a:sysClr val="windowText" lastClr="000000"/>
+                </a:solidFill>
+                <a:latin typeface="LM Roman 10" pitchFamily="2" charset="77"/>
+              </a:rPr>
+              <a:t>early in the Universe </a:t>
+            </a:r>
+          </a:p>
+        </p:txBody>
+      </p:sp>
+    </p:spTree>
+    <p:extLst>
+      <p:ext uri="{BB962C8B-B14F-4D97-AF65-F5344CB8AC3E}">
+        <p14:creationId xmlns:p14="http://schemas.microsoft.com/office/powerpoint/2010/main" val="2247647582"/>
       </p:ext>
     </p:extLst>
   </p:cSld>
